--- a/project/proposal.pptx
+++ b/project/proposal.pptx
@@ -115,6 +115,11 @@
       </a:defRPr>
     </a:lvl9pPr>
   </p:defaultTextStyle>
+  <p:extLst>
+    <p:ext uri="{EFAFB233-063F-42B5-8137-9DF3F51BA10A}">
+      <p15:sldGuideLst xmlns:p15="http://schemas.microsoft.com/office/powerpoint/2012/main"/>
+    </p:ext>
+  </p:extLst>
 </p:presentation>
 </file>
 
@@ -1628,11 +1633,7 @@
         <a:p>
           <a:r>
             <a:rPr lang="en-US" altLang="zh-TW" dirty="0" smtClean="0"/>
-            <a:t>Data </a:t>
-          </a:r>
-          <a:r>
-            <a:rPr lang="en-US" altLang="zh-TW" dirty="0" smtClean="0"/>
-            <a:t>collection</a:t>
+            <a:t>Data collection</a:t>
           </a:r>
           <a:endParaRPr lang="zh-TW" altLang="en-US" dirty="0"/>
         </a:p>
@@ -1797,10 +1798,24 @@
     <dgm:pt modelId="{4E62CF21-C03C-4FC5-92CE-852C9DD2CBB2}" type="pres">
       <dgm:prSet presAssocID="{EC317C68-6513-432D-B311-F527186D91D7}" presName="sibTrans" presStyleLbl="sibTrans2D1" presStyleIdx="0" presStyleCnt="3"/>
       <dgm:spPr/>
+      <dgm:t>
+        <a:bodyPr/>
+        <a:lstStyle/>
+        <a:p>
+          <a:endParaRPr lang="zh-TW" altLang="en-US"/>
+        </a:p>
+      </dgm:t>
     </dgm:pt>
     <dgm:pt modelId="{4BE11B05-0219-4E17-806D-F8596AAA8307}" type="pres">
       <dgm:prSet presAssocID="{EC317C68-6513-432D-B311-F527186D91D7}" presName="connectorText" presStyleLbl="sibTrans2D1" presStyleIdx="0" presStyleCnt="3"/>
       <dgm:spPr/>
+      <dgm:t>
+        <a:bodyPr/>
+        <a:lstStyle/>
+        <a:p>
+          <a:endParaRPr lang="zh-TW" altLang="en-US"/>
+        </a:p>
+      </dgm:t>
     </dgm:pt>
     <dgm:pt modelId="{3E8A91B4-4B79-47CE-A117-6D2A3A59D1AD}" type="pres">
       <dgm:prSet presAssocID="{9A51909A-8B25-4F5F-BAB1-7335846EB25C}" presName="node" presStyleLbl="node1" presStyleIdx="1" presStyleCnt="4">
@@ -1820,10 +1835,24 @@
     <dgm:pt modelId="{736CC667-455C-4081-861F-7D6356424989}" type="pres">
       <dgm:prSet presAssocID="{C52CD396-DA09-42AB-84AC-A6024ED0554A}" presName="sibTrans" presStyleLbl="sibTrans2D1" presStyleIdx="1" presStyleCnt="3"/>
       <dgm:spPr/>
+      <dgm:t>
+        <a:bodyPr/>
+        <a:lstStyle/>
+        <a:p>
+          <a:endParaRPr lang="zh-TW" altLang="en-US"/>
+        </a:p>
+      </dgm:t>
     </dgm:pt>
     <dgm:pt modelId="{B612FD15-D0AD-4E35-8F64-62CAFB74EE1F}" type="pres">
       <dgm:prSet presAssocID="{C52CD396-DA09-42AB-84AC-A6024ED0554A}" presName="connectorText" presStyleLbl="sibTrans2D1" presStyleIdx="1" presStyleCnt="3"/>
       <dgm:spPr/>
+      <dgm:t>
+        <a:bodyPr/>
+        <a:lstStyle/>
+        <a:p>
+          <a:endParaRPr lang="zh-TW" altLang="en-US"/>
+        </a:p>
+      </dgm:t>
     </dgm:pt>
     <dgm:pt modelId="{B5C7BF61-68F5-461A-B8D5-00F91394464D}" type="pres">
       <dgm:prSet presAssocID="{07531BCD-626D-49E1-8B57-AF7BA3522114}" presName="node" presStyleLbl="node1" presStyleIdx="2" presStyleCnt="4">
@@ -1832,14 +1861,35 @@
         </dgm:presLayoutVars>
       </dgm:prSet>
       <dgm:spPr/>
+      <dgm:t>
+        <a:bodyPr/>
+        <a:lstStyle/>
+        <a:p>
+          <a:endParaRPr lang="zh-TW" altLang="en-US"/>
+        </a:p>
+      </dgm:t>
     </dgm:pt>
     <dgm:pt modelId="{08A575B5-8C37-4D8F-A8F9-BFCB2E999683}" type="pres">
       <dgm:prSet presAssocID="{4A519479-58C3-473F-9B4F-C23DB6CC448F}" presName="sibTrans" presStyleLbl="sibTrans2D1" presStyleIdx="2" presStyleCnt="3"/>
       <dgm:spPr/>
+      <dgm:t>
+        <a:bodyPr/>
+        <a:lstStyle/>
+        <a:p>
+          <a:endParaRPr lang="zh-TW" altLang="en-US"/>
+        </a:p>
+      </dgm:t>
     </dgm:pt>
     <dgm:pt modelId="{FBFFABCF-B158-4627-9149-91DB9487DEC5}" type="pres">
       <dgm:prSet presAssocID="{4A519479-58C3-473F-9B4F-C23DB6CC448F}" presName="connectorText" presStyleLbl="sibTrans2D1" presStyleIdx="2" presStyleCnt="3"/>
       <dgm:spPr/>
+      <dgm:t>
+        <a:bodyPr/>
+        <a:lstStyle/>
+        <a:p>
+          <a:endParaRPr lang="zh-TW" altLang="en-US"/>
+        </a:p>
+      </dgm:t>
     </dgm:pt>
     <dgm:pt modelId="{59AE5EFD-C37B-4162-9C1E-6D802E2A6546}" type="pres">
       <dgm:prSet presAssocID="{AA557BF8-B6B6-4283-9994-74A6BA1F4100}" presName="node" presStyleLbl="node1" presStyleIdx="3" presStyleCnt="4">
@@ -2381,8 +2431,8 @@
     <dgm:cxn modelId="{18EB9655-0697-4A25-ADA6-E35BE54DB0BE}" type="presOf" srcId="{F8A376C0-F33C-4FC9-BBA6-D353942A2118}" destId="{00976556-BC34-4537-8128-A3A89022CAF4}" srcOrd="0" destOrd="0" presId="urn:microsoft.com/office/officeart/2005/8/layout/hProcess11"/>
     <dgm:cxn modelId="{2AC107DD-2433-4FB4-8689-B0C2E241BFF3}" type="presOf" srcId="{D1F826D8-0D48-4AC7-AD9B-5C2B7CFC21D9}" destId="{4AC62028-9062-41DB-886B-8C4E7A6F6D1E}" srcOrd="0" destOrd="0" presId="urn:microsoft.com/office/officeart/2005/8/layout/hProcess11"/>
     <dgm:cxn modelId="{FBB936E0-09B7-43A6-99C0-69C902726634}" srcId="{F893C3F6-86B1-4D53-AFF1-0399124FDF0D}" destId="{D1F826D8-0D48-4AC7-AD9B-5C2B7CFC21D9}" srcOrd="4" destOrd="0" parTransId="{4BBBD18C-F7A2-4A11-A90D-7CEF3051D1CB}" sibTransId="{292FAA86-CA1A-42B7-8501-8A472CE6B932}"/>
+    <dgm:cxn modelId="{CB7228AB-32FE-4958-BECC-89587648C914}" srcId="{F893C3F6-86B1-4D53-AFF1-0399124FDF0D}" destId="{F8A376C0-F33C-4FC9-BBA6-D353942A2118}" srcOrd="3" destOrd="0" parTransId="{8628B139-5F45-4052-8F9A-92D51B64E275}" sibTransId="{04FBF80D-B600-4A09-BE8F-790E6AD6BF89}"/>
     <dgm:cxn modelId="{57A67ECA-C724-4803-B1FD-F82487D49023}" srcId="{F893C3F6-86B1-4D53-AFF1-0399124FDF0D}" destId="{94121C31-D6D3-474D-BFE3-7F5CD8C843F1}" srcOrd="0" destOrd="0" parTransId="{63FFD56F-5419-497E-81F6-4FC67F3F78E0}" sibTransId="{08B98CCD-4C4C-4C82-81D9-A05AEA72EBBA}"/>
-    <dgm:cxn modelId="{CB7228AB-32FE-4958-BECC-89587648C914}" srcId="{F893C3F6-86B1-4D53-AFF1-0399124FDF0D}" destId="{F8A376C0-F33C-4FC9-BBA6-D353942A2118}" srcOrd="3" destOrd="0" parTransId="{8628B139-5F45-4052-8F9A-92D51B64E275}" sibTransId="{04FBF80D-B600-4A09-BE8F-790E6AD6BF89}"/>
     <dgm:cxn modelId="{6490C61E-33AA-42F0-A05A-AE1C45799B64}" type="presOf" srcId="{94121C31-D6D3-474D-BFE3-7F5CD8C843F1}" destId="{C8D6FC5F-F46B-4C7B-A703-D59A177156DE}" srcOrd="0" destOrd="0" presId="urn:microsoft.com/office/officeart/2005/8/layout/hProcess11"/>
     <dgm:cxn modelId="{762EDD36-ABF1-4674-8280-1A14E148A21A}" type="presOf" srcId="{918AF4BD-3560-4E74-9F89-E4EDC4C288FA}" destId="{DBF12787-9791-46CF-B0B3-0E7C881E26FA}" srcOrd="0" destOrd="0" presId="urn:microsoft.com/office/officeart/2005/8/layout/hProcess11"/>
     <dgm:cxn modelId="{F2140FEF-A684-43D7-AC22-824747C2E8E1}" type="presOf" srcId="{0F2E8068-57C2-447C-959C-83C56EDB6EDD}" destId="{87BF194A-28D9-4764-A211-6A92683DCCF6}" srcOrd="0" destOrd="0" presId="urn:microsoft.com/office/officeart/2005/8/layout/hProcess11"/>
@@ -2531,11 +2581,7 @@
           </a:pPr>
           <a:r>
             <a:rPr lang="en-US" altLang="zh-TW" sz="2200" kern="1200" dirty="0" smtClean="0"/>
-            <a:t>Data </a:t>
-          </a:r>
-          <a:r>
-            <a:rPr lang="en-US" altLang="zh-TW" sz="2200" kern="1200" dirty="0" smtClean="0"/>
-            <a:t>collection</a:t>
+            <a:t>Data collection</a:t>
           </a:r>
           <a:endParaRPr lang="zh-TW" altLang="en-US" sz="2200" kern="1200" dirty="0"/>
         </a:p>
@@ -6475,7 +6521,7 @@
           <a:p>
             <a:fld id="{28A0CACB-774D-43F6-A526-67E9AA9E7188}" type="datetimeFigureOut">
               <a:rPr lang="zh-TW" altLang="en-US" smtClean="0"/>
-              <a:t>2020/5/6</a:t>
+              <a:t>2020/7/1</a:t>
             </a:fld>
             <a:endParaRPr lang="zh-TW" altLang="en-US"/>
           </a:p>
@@ -6998,7 +7044,7 @@
           <a:p>
             <a:fld id="{6C7A1A84-2F83-42F4-AA3B-1814AB69F8D8}" type="datetimeFigureOut">
               <a:rPr lang="zh-TW" altLang="en-US" smtClean="0"/>
-              <a:t>2020/5/6</a:t>
+              <a:t>2020/7/1</a:t>
             </a:fld>
             <a:endParaRPr lang="zh-TW" altLang="en-US"/>
           </a:p>
@@ -7310,7 +7356,7 @@
           <a:p>
             <a:fld id="{6C7A1A84-2F83-42F4-AA3B-1814AB69F8D8}" type="datetimeFigureOut">
               <a:rPr lang="zh-TW" altLang="en-US" smtClean="0"/>
-              <a:t>2020/5/6</a:t>
+              <a:t>2020/7/1</a:t>
             </a:fld>
             <a:endParaRPr lang="zh-TW" altLang="en-US"/>
           </a:p>
@@ -7532,7 +7578,7 @@
           <a:p>
             <a:fld id="{6C7A1A84-2F83-42F4-AA3B-1814AB69F8D8}" type="datetimeFigureOut">
               <a:rPr lang="zh-TW" altLang="en-US" smtClean="0"/>
-              <a:t>2020/5/6</a:t>
+              <a:t>2020/7/1</a:t>
             </a:fld>
             <a:endParaRPr lang="zh-TW" altLang="en-US"/>
           </a:p>
@@ -7823,7 +7869,7 @@
           <a:p>
             <a:fld id="{6C7A1A84-2F83-42F4-AA3B-1814AB69F8D8}" type="datetimeFigureOut">
               <a:rPr lang="zh-TW" altLang="en-US" smtClean="0"/>
-              <a:t>2020/5/6</a:t>
+              <a:t>2020/7/1</a:t>
             </a:fld>
             <a:endParaRPr lang="zh-TW" altLang="en-US"/>
           </a:p>
@@ -8277,7 +8323,7 @@
           <a:p>
             <a:fld id="{6C7A1A84-2F83-42F4-AA3B-1814AB69F8D8}" type="datetimeFigureOut">
               <a:rPr lang="zh-TW" altLang="en-US" smtClean="0"/>
-              <a:t>2020/5/6</a:t>
+              <a:t>2020/7/1</a:t>
             </a:fld>
             <a:endParaRPr lang="zh-TW" altLang="en-US"/>
           </a:p>
@@ -8853,7 +8899,7 @@
           <a:p>
             <a:fld id="{6C7A1A84-2F83-42F4-AA3B-1814AB69F8D8}" type="datetimeFigureOut">
               <a:rPr lang="zh-TW" altLang="en-US" smtClean="0"/>
-              <a:t>2020/5/6</a:t>
+              <a:t>2020/7/1</a:t>
             </a:fld>
             <a:endParaRPr lang="zh-TW" altLang="en-US"/>
           </a:p>
@@ -9705,7 +9751,7 @@
           <a:p>
             <a:fld id="{6C7A1A84-2F83-42F4-AA3B-1814AB69F8D8}" type="datetimeFigureOut">
               <a:rPr lang="zh-TW" altLang="en-US" smtClean="0"/>
-              <a:t>2020/5/6</a:t>
+              <a:t>2020/7/1</a:t>
             </a:fld>
             <a:endParaRPr lang="zh-TW" altLang="en-US"/>
           </a:p>
@@ -9910,7 +9956,7 @@
           <a:p>
             <a:fld id="{6C7A1A84-2F83-42F4-AA3B-1814AB69F8D8}" type="datetimeFigureOut">
               <a:rPr lang="zh-TW" altLang="en-US" smtClean="0"/>
-              <a:t>2020/5/6</a:t>
+              <a:t>2020/7/1</a:t>
             </a:fld>
             <a:endParaRPr lang="zh-TW" altLang="en-US"/>
           </a:p>
@@ -10124,7 +10170,7 @@
           <a:p>
             <a:fld id="{6C7A1A84-2F83-42F4-AA3B-1814AB69F8D8}" type="datetimeFigureOut">
               <a:rPr lang="zh-TW" altLang="en-US" smtClean="0"/>
-              <a:t>2020/5/6</a:t>
+              <a:t>2020/7/1</a:t>
             </a:fld>
             <a:endParaRPr lang="zh-TW" altLang="en-US"/>
           </a:p>
@@ -10329,7 +10375,7 @@
           <a:p>
             <a:fld id="{6C7A1A84-2F83-42F4-AA3B-1814AB69F8D8}" type="datetimeFigureOut">
               <a:rPr lang="zh-TW" altLang="en-US" smtClean="0"/>
-              <a:t>2020/5/6</a:t>
+              <a:t>2020/7/1</a:t>
             </a:fld>
             <a:endParaRPr lang="zh-TW" altLang="en-US"/>
           </a:p>
@@ -10609,7 +10655,7 @@
           <a:p>
             <a:fld id="{6C7A1A84-2F83-42F4-AA3B-1814AB69F8D8}" type="datetimeFigureOut">
               <a:rPr lang="zh-TW" altLang="en-US" smtClean="0"/>
-              <a:t>2020/5/6</a:t>
+              <a:t>2020/7/1</a:t>
             </a:fld>
             <a:endParaRPr lang="zh-TW" altLang="en-US"/>
           </a:p>
@@ -10876,7 +10922,7 @@
           <a:p>
             <a:fld id="{6C7A1A84-2F83-42F4-AA3B-1814AB69F8D8}" type="datetimeFigureOut">
               <a:rPr lang="zh-TW" altLang="en-US" smtClean="0"/>
-              <a:t>2020/5/6</a:t>
+              <a:t>2020/7/1</a:t>
             </a:fld>
             <a:endParaRPr lang="zh-TW" altLang="en-US"/>
           </a:p>
@@ -11291,7 +11337,7 @@
           <a:p>
             <a:fld id="{6C7A1A84-2F83-42F4-AA3B-1814AB69F8D8}" type="datetimeFigureOut">
               <a:rPr lang="zh-TW" altLang="en-US" smtClean="0"/>
-              <a:t>2020/5/6</a:t>
+              <a:t>2020/7/1</a:t>
             </a:fld>
             <a:endParaRPr lang="zh-TW" altLang="en-US"/>
           </a:p>
@@ -11439,7 +11485,7 @@
           <a:p>
             <a:fld id="{6C7A1A84-2F83-42F4-AA3B-1814AB69F8D8}" type="datetimeFigureOut">
               <a:rPr lang="zh-TW" altLang="en-US" smtClean="0"/>
-              <a:t>2020/5/6</a:t>
+              <a:t>2020/7/1</a:t>
             </a:fld>
             <a:endParaRPr lang="zh-TW" altLang="en-US"/>
           </a:p>
@@ -11564,7 +11610,7 @@
           <a:p>
             <a:fld id="{6C7A1A84-2F83-42F4-AA3B-1814AB69F8D8}" type="datetimeFigureOut">
               <a:rPr lang="zh-TW" altLang="en-US" smtClean="0"/>
-              <a:t>2020/5/6</a:t>
+              <a:t>2020/7/1</a:t>
             </a:fld>
             <a:endParaRPr lang="zh-TW" altLang="en-US"/>
           </a:p>
@@ -11843,7 +11889,7 @@
           <a:p>
             <a:fld id="{6C7A1A84-2F83-42F4-AA3B-1814AB69F8D8}" type="datetimeFigureOut">
               <a:rPr lang="zh-TW" altLang="en-US" smtClean="0"/>
-              <a:t>2020/5/6</a:t>
+              <a:t>2020/7/1</a:t>
             </a:fld>
             <a:endParaRPr lang="zh-TW" altLang="en-US"/>
           </a:p>
@@ -12155,7 +12201,7 @@
           <a:p>
             <a:fld id="{6C7A1A84-2F83-42F4-AA3B-1814AB69F8D8}" type="datetimeFigureOut">
               <a:rPr lang="zh-TW" altLang="en-US" smtClean="0"/>
-              <a:t>2020/5/6</a:t>
+              <a:t>2020/7/1</a:t>
             </a:fld>
             <a:endParaRPr lang="zh-TW" altLang="en-US"/>
           </a:p>
@@ -12408,7 +12454,7 @@
           <a:p>
             <a:fld id="{6C7A1A84-2F83-42F4-AA3B-1814AB69F8D8}" type="datetimeFigureOut">
               <a:rPr lang="zh-TW" altLang="en-US" smtClean="0"/>
-              <a:t>2020/5/6</a:t>
+              <a:t>2020/7/1</a:t>
             </a:fld>
             <a:endParaRPr lang="zh-TW" altLang="en-US"/>
           </a:p>
@@ -14489,18 +14535,18 @@
           </a:xfrm>
         </p:spPr>
         <p:txBody>
-          <a:bodyPr/>
+          <a:bodyPr>
+            <a:normAutofit/>
+          </a:bodyPr>
           <a:lstStyle/>
           <a:p>
             <a:r>
-              <a:rPr lang="en-US" altLang="zh-TW" sz="4000" dirty="0" smtClean="0"/>
-              <a:t>Thank</a:t>
-            </a:r>
-            <a:r>
-              <a:rPr lang="en-US" altLang="zh-TW" dirty="0" smtClean="0"/>
-              <a:t> you</a:t>
-            </a:r>
-            <a:endParaRPr lang="zh-TW" altLang="en-US" dirty="0"/>
+              <a:rPr lang="en-US" altLang="zh-TW" sz="4800" dirty="0" smtClean="0">
+                <a:hlinkClick r:id="rId2"/>
+              </a:rPr>
+              <a:t>Demo</a:t>
+            </a:r>
+            <a:endParaRPr lang="zh-TW" altLang="en-US" sz="4400" dirty="0"/>
           </a:p>
         </p:txBody>
       </p:sp>
